--- a/cagrid/Documentation/general/presentations/2010_AnnualMeeting/posters/TRIAD poster.pptx
+++ b/cagrid/Documentation/general/presentations/2010_AnnualMeeting/posters/TRIAD poster.pptx
@@ -4086,6 +4086,108 @@
                 <a:schemeClr val="bg1"/>
               </a:solidFill>
             </a:endParaRPr>
+          </a:p>
+        </p:txBody>
+      </p:sp>
+      <p:graphicFrame>
+        <p:nvGraphicFramePr>
+          <p:cNvPr id="24" name="Object 23"/>
+          <p:cNvGraphicFramePr>
+            <a:graphicFrameLocks noChangeAspect="1"/>
+          </p:cNvGraphicFramePr>
+          <p:nvPr/>
+        </p:nvGraphicFramePr>
+        <p:xfrm>
+          <a:off x="15925800" y="15240000"/>
+          <a:ext cx="9102373" cy="8205835"/>
+        </p:xfrm>
+        <a:graphic>
+          <a:graphicData uri="http://schemas.openxmlformats.org/presentationml/2006/ole">
+            <p:oleObj spid="_x0000_s1028" name="Visio" r:id="rId3" imgW="7171740" imgH="6466576" progId="Visio.Drawing.11">
+              <p:embed/>
+            </p:oleObj>
+          </a:graphicData>
+        </a:graphic>
+      </p:graphicFrame>
+      <p:sp>
+        <p:nvSpPr>
+          <p:cNvPr id="25" name="TextBox 24"/>
+          <p:cNvSpPr txBox="1"/>
+          <p:nvPr/>
+        </p:nvSpPr>
+        <p:spPr>
+          <a:xfrm>
+            <a:off x="25146000" y="15087600"/>
+            <a:ext cx="3048000" cy="8534400"/>
+          </a:xfrm>
+          <a:prstGeom prst="rect">
+            <a:avLst/>
+          </a:prstGeom>
+          <a:noFill/>
+        </p:spPr>
+        <p:txBody>
+          <a:bodyPr wrap="square" rtlCol="0">
+            <a:noAutofit/>
+          </a:bodyPr>
+          <a:lstStyle/>
+          <a:p>
+            <a:pPr algn="just"/>
+            <a:r>
+              <a:rPr lang="en-US" sz="3200" dirty="0" smtClean="0"/>
+              <a:t>The TRIAD data service creation workflow extensively leverages the </a:t>
+            </a:r>
+            <a:r>
+              <a:rPr lang="en-US" sz="3200" dirty="0" err="1" smtClean="0"/>
+              <a:t>openMDR</a:t>
+            </a:r>
+            <a:r>
+              <a:rPr lang="en-US" sz="3200" dirty="0" smtClean="0"/>
+              <a:t>, a federated ISO 11179 metadata repository developed with the express purpose of enabling institutions to </a:t>
+            </a:r>
+            <a:r>
+              <a:rPr lang="en-US" sz="3200" dirty="0" smtClean="0"/>
+              <a:t>develop</a:t>
+            </a:r>
+            <a:endParaRPr lang="en-US" sz="3200" dirty="0"/>
+          </a:p>
+        </p:txBody>
+      </p:sp>
+      <p:sp>
+        <p:nvSpPr>
+          <p:cNvPr id="29" name="TextBox 28"/>
+          <p:cNvSpPr txBox="1"/>
+          <p:nvPr/>
+        </p:nvSpPr>
+        <p:spPr>
+          <a:xfrm>
+            <a:off x="16002000" y="23545800"/>
+            <a:ext cx="12344400" cy="3539430"/>
+          </a:xfrm>
+          <a:prstGeom prst="rect">
+            <a:avLst/>
+          </a:prstGeom>
+          <a:noFill/>
+        </p:spPr>
+        <p:txBody>
+          <a:bodyPr wrap="square" rtlCol="0">
+            <a:noAutofit/>
+          </a:bodyPr>
+          <a:lstStyle/>
+          <a:p>
+            <a:pPr algn="just"/>
+            <a:r>
+              <a:rPr lang="en-US" sz="3200" dirty="0" smtClean="0"/>
+              <a:t>and maintain their own unique semantic library while interoperating with repositories and systems.  This enables researchers to create, curate, and iteratively build their own data models specific to their problem domain without a large administrative burden.  Simple, powerful tools for querying the </a:t>
+            </a:r>
+            <a:r>
+              <a:rPr lang="en-US" sz="3200" dirty="0" err="1" smtClean="0"/>
+              <a:t>openMDR</a:t>
+            </a:r>
+            <a:r>
+              <a:rPr lang="en-US" sz="3200" dirty="0" smtClean="0"/>
+              <a:t> and annotating models directly in the tools which create them make the TRIAD data service creation workflow streamlined and agile.</a:t>
+            </a:r>
+            <a:endParaRPr lang="en-US" sz="3200" dirty="0"/>
           </a:p>
         </p:txBody>
       </p:sp>
@@ -4937,6 +5039,19 @@
 </file>
 
 <file path=customXml/item1.xml><?xml version="1.0" encoding="utf-8"?>
+<?mso-contentType ?>
+<FormTemplates xmlns="http://schemas.microsoft.com/sharepoint/v3/contenttype/forms">
+  <Display>DocumentLibraryForm</Display>
+  <Edit>DocumentLibraryForm</Edit>
+  <New>DocumentLibraryForm</New>
+</FormTemplates>
+</file>
+
+<file path=customXml/item2.xml><?xml version="1.0" encoding="utf-8"?>
+<LongProperties xmlns="http://schemas.microsoft.com/office/2006/metadata/longProperties"/>
+</file>
+
+<file path=customXml/item3.xml><?xml version="1.0" encoding="utf-8"?>
 <ct:contentTypeSchema xmlns:ct="http://schemas.microsoft.com/office/2006/metadata/contentType" xmlns:ma="http://schemas.microsoft.com/office/2006/metadata/properties/metaAttributes" ct:_="" ma:_="" ma:contentTypeName="Document" ma:contentTypeID="0x01010009B9990401DE874BA94FAA5CA5B76D50" ma:contentTypeVersion="4" ma:contentTypeDescription="Create a new document." ma:contentTypeScope="" ma:versionID="ab954ca9e68604bf033c87d3a2d151bc">
   <xsd:schema xmlns:xsd="http://www.w3.org/2001/XMLSchema" xmlns:xs="http://www.w3.org/2001/XMLSchema" xmlns:p="http://schemas.microsoft.com/office/2006/metadata/properties" xmlns:ns2="2789d12c-9c7d-485e-80e7-093e7df1ec59" targetNamespace="http://schemas.microsoft.com/office/2006/metadata/properties" ma:root="true" ma:fieldsID="c40d6780d6381e8815d2fc3bd6ca831e" ns2:_="">
     <xsd:import namespace="2789d12c-9c7d-485e-80e7-093e7df1ec59"/>
@@ -5099,19 +5214,6 @@
 </ct:contentTypeSchema>
 </file>
 
-<file path=customXml/item2.xml><?xml version="1.0" encoding="utf-8"?>
-<LongProperties xmlns="http://schemas.microsoft.com/office/2006/metadata/longProperties"/>
-</file>
-
-<file path=customXml/item3.xml><?xml version="1.0" encoding="utf-8"?>
-<?mso-contentType ?>
-<FormTemplates xmlns="http://schemas.microsoft.com/sharepoint/v3/contenttype/forms">
-  <Display>DocumentLibraryForm</Display>
-  <Edit>DocumentLibraryForm</Edit>
-  <New>DocumentLibraryForm</New>
-</FormTemplates>
-</file>
-
 <file path=customXml/item4.xml><?xml version="1.0" encoding="utf-8"?>
 <p:properties xmlns:p="http://schemas.microsoft.com/office/2006/metadata/properties" xmlns:xsi="http://www.w3.org/2001/XMLSchema-instance">
   <documentManagement>
@@ -5130,6 +5232,22 @@
 </file>
 
 <file path=customXml/itemProps1.xml><?xml version="1.0" encoding="utf-8"?>
+<ds:datastoreItem xmlns:ds="http://schemas.openxmlformats.org/officeDocument/2006/customXml" ds:itemID="{84004FB6-B2EF-46EA-9793-BCA5224ECEC3}">
+  <ds:schemaRefs>
+    <ds:schemaRef ds:uri="http://schemas.microsoft.com/sharepoint/v3/contenttype/forms"/>
+  </ds:schemaRefs>
+</ds:datastoreItem>
+</file>
+
+<file path=customXml/itemProps2.xml><?xml version="1.0" encoding="utf-8"?>
+<ds:datastoreItem xmlns:ds="http://schemas.openxmlformats.org/officeDocument/2006/customXml" ds:itemID="{D46C6020-86BF-4727-93DE-895994970E44}">
+  <ds:schemaRefs>
+    <ds:schemaRef ds:uri="http://schemas.microsoft.com/office/2006/metadata/longProperties"/>
+  </ds:schemaRefs>
+</ds:datastoreItem>
+</file>
+
+<file path=customXml/itemProps3.xml><?xml version="1.0" encoding="utf-8"?>
 <ds:datastoreItem xmlns:ds="http://schemas.openxmlformats.org/officeDocument/2006/customXml" ds:itemID="{75E54912-27AF-4FAE-9BE9-ACB470EE5BD7}">
   <ds:schemaRefs>
     <ds:schemaRef ds:uri="http://schemas.microsoft.com/office/2006/metadata/contentType"/>
@@ -5147,26 +5265,11 @@
 </ds:datastoreItem>
 </file>
 
-<file path=customXml/itemProps2.xml><?xml version="1.0" encoding="utf-8"?>
-<ds:datastoreItem xmlns:ds="http://schemas.openxmlformats.org/officeDocument/2006/customXml" ds:itemID="{D46C6020-86BF-4727-93DE-895994970E44}">
-  <ds:schemaRefs>
-    <ds:schemaRef ds:uri="http://schemas.microsoft.com/office/2006/metadata/longProperties"/>
-  </ds:schemaRefs>
-</ds:datastoreItem>
-</file>
-
-<file path=customXml/itemProps3.xml><?xml version="1.0" encoding="utf-8"?>
-<ds:datastoreItem xmlns:ds="http://schemas.openxmlformats.org/officeDocument/2006/customXml" ds:itemID="{84004FB6-B2EF-46EA-9793-BCA5224ECEC3}">
-  <ds:schemaRefs>
-    <ds:schemaRef ds:uri="http://schemas.microsoft.com/sharepoint/v3/contenttype/forms"/>
-  </ds:schemaRefs>
-</ds:datastoreItem>
-</file>
-
 <file path=customXml/itemProps4.xml><?xml version="1.0" encoding="utf-8"?>
 <ds:datastoreItem xmlns:ds="http://schemas.openxmlformats.org/officeDocument/2006/customXml" ds:itemID="{ECA8ABB0-33B3-4F4C-97EC-17304F9DC8BB}">
   <ds:schemaRefs>
     <ds:schemaRef ds:uri="http://schemas.microsoft.com/office/2006/metadata/properties"/>
+    <ds:schemaRef ds:uri="2789d12c-9c7d-485e-80e7-093e7df1ec59"/>
   </ds:schemaRefs>
 </ds:datastoreItem>
 </file>
--- a/cagrid/Documentation/general/presentations/2010_AnnualMeeting/posters/TRIAD poster.pptx
+++ b/cagrid/Documentation/general/presentations/2010_AnnualMeeting/posters/TRIAD poster.pptx
@@ -3392,8 +3392,8 @@
         </p:nvSpPr>
         <p:spPr bwMode="auto">
           <a:xfrm>
-            <a:off x="609600" y="7772400"/>
-            <a:ext cx="12344400" cy="9941183"/>
+            <a:off x="76200" y="7772400"/>
+            <a:ext cx="13411200" cy="10556736"/>
           </a:xfrm>
           <a:prstGeom prst="rect">
             <a:avLst/>
@@ -3414,53 +3414,53 @@
           <a:p>
             <a:pPr algn="just"/>
             <a:r>
-              <a:rPr lang="en-US" sz="3200" dirty="0"/>
+              <a:rPr lang="en-US" sz="3400" dirty="0"/>
               <a:t>The Ohio State University Clinical and Translational Science Award (CTSA) is addressing the need to collect, store, integrate, analyze, and report upon heterogeneous and distributed data sets spanning organizational boundaries.  This is accomplished by a grid middleware and tooling system known as </a:t>
             </a:r>
             <a:r>
-              <a:rPr lang="en-US" sz="3200" dirty="0" smtClean="0"/>
+              <a:rPr lang="en-US" sz="3400" dirty="0" smtClean="0"/>
               <a:t>TRIAD.</a:t>
             </a:r>
           </a:p>
           <a:p>
             <a:pPr algn="just"/>
-            <a:endParaRPr lang="en-US" sz="3200" dirty="0" smtClean="0"/>
+            <a:endParaRPr lang="en-US" sz="3400" dirty="0" smtClean="0"/>
           </a:p>
           <a:p>
             <a:pPr algn="just"/>
             <a:r>
-              <a:rPr lang="en-US" sz="3200" dirty="0" smtClean="0"/>
+              <a:rPr lang="en-US" sz="3400" dirty="0" smtClean="0"/>
               <a:t>TRIAD </a:t>
             </a:r>
             <a:r>
-              <a:rPr lang="en-US" sz="3200" dirty="0"/>
+              <a:rPr lang="en-US" sz="3400" dirty="0"/>
               <a:t>addresses the needs and challenges presented by multi-institutional translational team science by allowing for the creation of a scalable, secure, and knowledge anchored data sharing environment.  TRIAD builds upon and extends the robust caGrid infrastructure that was initially designed for the National Cancer Institute’s </a:t>
             </a:r>
             <a:r>
-              <a:rPr lang="en-US" sz="3200" dirty="0" err="1"/>
+              <a:rPr lang="en-US" sz="3400" dirty="0" err="1"/>
               <a:t>caBIG</a:t>
             </a:r>
             <a:r>
-              <a:rPr lang="en-US" sz="3200" dirty="0"/>
+              <a:rPr lang="en-US" sz="3400" dirty="0"/>
               <a:t> program.</a:t>
             </a:r>
           </a:p>
           <a:p>
             <a:pPr algn="just"/>
-            <a:endParaRPr lang="en-US" sz="3200" dirty="0" smtClean="0"/>
+            <a:endParaRPr lang="en-US" sz="3400" dirty="0" smtClean="0"/>
           </a:p>
           <a:p>
             <a:pPr algn="just"/>
             <a:r>
-              <a:rPr lang="en-US" sz="3200" dirty="0" smtClean="0"/>
+              <a:rPr lang="en-US" sz="3400" dirty="0" smtClean="0"/>
               <a:t>TRIAD </a:t>
             </a:r>
             <a:r>
-              <a:rPr lang="en-US" sz="3200" dirty="0"/>
+              <a:rPr lang="en-US" sz="3400" dirty="0"/>
               <a:t>seeks to integrate disparate clinical data sources into a common grid environment.  By doing so, researchers maintain locus of control over their research while expanding the scope, capability, and quality of research and knowledge made available to the broader TRIAD adopter community.  TRIAD accelerates the pace of research by providing the means to create knowledge centered pipelines and facilitating cross-institutional data queries</a:t>
             </a:r>
             <a:r>
-              <a:rPr lang="en-US" sz="3200" dirty="0" smtClean="0"/>
+              <a:rPr lang="en-US" sz="3400" dirty="0" smtClean="0"/>
               <a:t>.</a:t>
             </a:r>
           </a:p>
@@ -3910,8 +3910,8 @@
         </p:nvSpPr>
         <p:spPr>
           <a:xfrm>
-            <a:off x="15849600" y="7696200"/>
-            <a:ext cx="12344400" cy="7478970"/>
+            <a:off x="15316200" y="7696200"/>
+            <a:ext cx="13411200" cy="7940635"/>
           </a:xfrm>
           <a:prstGeom prst="rect">
             <a:avLst/>
@@ -3926,26 +3926,26 @@
           <a:p>
             <a:pPr algn="just"/>
             <a:r>
-              <a:rPr lang="en-US" sz="3200" dirty="0" smtClean="0"/>
+              <a:rPr lang="en-US" sz="3400" dirty="0" smtClean="0"/>
               <a:t>Specialized adapters have been created within TRIAD to enable use of common data gathering and storage tools such as </a:t>
             </a:r>
             <a:r>
-              <a:rPr lang="en-US" sz="3200" dirty="0" err="1" smtClean="0"/>
+              <a:rPr lang="en-US" sz="3400" dirty="0" err="1" smtClean="0"/>
               <a:t>REDCap</a:t>
             </a:r>
             <a:r>
-              <a:rPr lang="en-US" sz="3200" dirty="0" smtClean="0"/>
+              <a:rPr lang="en-US" sz="3400" dirty="0" smtClean="0"/>
               <a:t> and i2b2 within the existing grid infrastructure.  By approaching data sharing from the perspective of a wrapper around an existing tool rather than a monolithic and large engineering effort, researchers and clinicians may readily and rapidly move to interconnected grid systems.</a:t>
             </a:r>
           </a:p>
           <a:p>
             <a:pPr algn="just"/>
-            <a:endParaRPr lang="en-US" sz="3200" dirty="0" smtClean="0"/>
+            <a:endParaRPr lang="en-US" sz="3400" dirty="0" smtClean="0"/>
           </a:p>
           <a:p>
             <a:pPr algn="just"/>
             <a:r>
-              <a:rPr lang="en-US" sz="3200" dirty="0" smtClean="0"/>
+              <a:rPr lang="en-US" sz="3400" dirty="0" smtClean="0"/>
               <a:t>A major benefit of TRIAD is the ability to allow researchers or institutions to maintain control of their own data and decide with whom and in what contexts it is shared. As such, TRIAD makes research data management and hypothesis testing more efficient by bringing disparate data and systems together, ultimately moving science forward by enabling researchers to ask and answer impactful and timely questions.</a:t>
             </a:r>
           </a:p>
@@ -3959,8 +3959,8 @@
         </p:nvSpPr>
         <p:spPr>
           <a:xfrm>
-            <a:off x="609600" y="19964400"/>
-            <a:ext cx="12344400" cy="10926068"/>
+            <a:off x="76200" y="19964400"/>
+            <a:ext cx="13411200" cy="11603176"/>
           </a:xfrm>
           <a:prstGeom prst="rect">
             <a:avLst/>
@@ -3975,13 +3975,13 @@
           <a:p>
             <a:pPr algn="just"/>
             <a:r>
-              <a:rPr lang="en-US" sz="3200" dirty="0" smtClean="0"/>
+              <a:rPr lang="en-US" sz="3400" dirty="0" smtClean="0"/>
               <a:t>The need to collect, store, integrate, analyze, and report upon heterogeneous and distributed data sets spanning organizational boundaries is one of the most common informatics needs found in multidisciplinary and team-based clinical and translational research programs. Examples of the informatics challenges that are often experienced in this regard include:</a:t>
             </a:r>
           </a:p>
           <a:p>
             <a:pPr algn="just"/>
-            <a:endParaRPr lang="en-US" sz="3200" dirty="0" smtClean="0"/>
+            <a:endParaRPr lang="en-US" sz="3400" dirty="0" smtClean="0"/>
           </a:p>
           <a:p>
             <a:pPr algn="just">
@@ -3989,7 +3989,7 @@
               <a:buChar char="•"/>
             </a:pPr>
             <a:r>
-              <a:rPr lang="en-US" sz="3200" dirty="0" smtClean="0"/>
+              <a:rPr lang="en-US" sz="3400" dirty="0" smtClean="0"/>
               <a:t>Physically disparate community participants.</a:t>
             </a:r>
           </a:p>
@@ -3999,7 +3999,7 @@
               <a:buChar char="•"/>
             </a:pPr>
             <a:r>
-              <a:rPr lang="en-US" sz="3200" dirty="0" smtClean="0"/>
+              <a:rPr lang="en-US" sz="3400" dirty="0" smtClean="0"/>
               <a:t>Multi-institutional security and data interoperability issues.</a:t>
             </a:r>
           </a:p>
@@ -4009,7 +4009,7 @@
               <a:buChar char="•"/>
             </a:pPr>
             <a:r>
-              <a:rPr lang="en-US" sz="3200" dirty="0" smtClean="0"/>
+              <a:rPr lang="en-US" sz="3400" dirty="0" smtClean="0"/>
               <a:t>Training and change-management overhead.</a:t>
             </a:r>
           </a:p>
@@ -4019,7 +4019,7 @@
               <a:buChar char="•"/>
             </a:pPr>
             <a:r>
-              <a:rPr lang="en-US" sz="3200" dirty="0" smtClean="0"/>
+              <a:rPr lang="en-US" sz="3400" dirty="0" smtClean="0"/>
               <a:t>Complex federal and local data integrity and privacy constraints.</a:t>
             </a:r>
           </a:p>
@@ -4028,26 +4028,26 @@
               <a:buFont typeface="Arial" pitchFamily="34" charset="0"/>
               <a:buChar char="•"/>
             </a:pPr>
-            <a:endParaRPr lang="en-US" sz="3200" dirty="0" smtClean="0"/>
+            <a:endParaRPr lang="en-US" sz="3400" dirty="0" smtClean="0"/>
           </a:p>
           <a:p>
             <a:pPr algn="just"/>
             <a:r>
-              <a:rPr lang="en-US" sz="3200" dirty="0" smtClean="0"/>
+              <a:rPr lang="en-US" sz="3400" dirty="0" smtClean="0"/>
               <a:t>TRIAD addresses these needs and challenges by allowing for the creation of a scalable, secure, and knowledge anchored data sharing environment, building upon the robust caGrid infrastructure that was initially designed for the National Cancer Institute’s </a:t>
             </a:r>
             <a:r>
-              <a:rPr lang="en-US" sz="3200" dirty="0" err="1" smtClean="0"/>
+              <a:rPr lang="en-US" sz="3400" dirty="0" err="1" smtClean="0"/>
               <a:t>caBIG</a:t>
             </a:r>
             <a:r>
-              <a:rPr lang="en-US" sz="3200" dirty="0" smtClean="0"/>
+              <a:rPr lang="en-US" sz="3400" dirty="0" smtClean="0"/>
               <a:t> program. Researchers can utilize TRIAD to discover, retrieve, and integrate data and knowledge sources related to their research from multiple systems (e.g., data warehouses, project-specific databases, bio-specimen repositories, etc.), often across multiple institutions, with a single query.</a:t>
             </a:r>
           </a:p>
           <a:p>
             <a:pPr algn="just"/>
-            <a:endParaRPr lang="en-US" sz="3200" dirty="0"/>
+            <a:endParaRPr lang="en-US" sz="3400" dirty="0"/>
           </a:p>
         </p:txBody>
       </p:sp>
@@ -4098,7 +4098,7 @@
           <p:nvPr/>
         </p:nvGraphicFramePr>
         <p:xfrm>
-          <a:off x="15925800" y="15240000"/>
+          <a:off x="15392400" y="15468600"/>
           <a:ext cx="9102373" cy="8205835"/>
         </p:xfrm>
         <a:graphic>
@@ -4117,8 +4117,8 @@
         </p:nvSpPr>
         <p:spPr>
           <a:xfrm>
-            <a:off x="25146000" y="15087600"/>
-            <a:ext cx="3048000" cy="8534400"/>
+            <a:off x="25146000" y="15697200"/>
+            <a:ext cx="3505200" cy="8001000"/>
           </a:xfrm>
           <a:prstGeom prst="rect">
             <a:avLst/>
@@ -4133,22 +4133,18 @@
           <a:p>
             <a:pPr algn="just"/>
             <a:r>
-              <a:rPr lang="en-US" sz="3200" dirty="0" smtClean="0"/>
+              <a:rPr lang="en-US" sz="3400" dirty="0" smtClean="0"/>
               <a:t>The TRIAD data service creation workflow extensively leverages the </a:t>
             </a:r>
             <a:r>
-              <a:rPr lang="en-US" sz="3200" dirty="0" err="1" smtClean="0"/>
+              <a:rPr lang="en-US" sz="3400" dirty="0" err="1" smtClean="0"/>
               <a:t>openMDR</a:t>
             </a:r>
             <a:r>
-              <a:rPr lang="en-US" sz="3200" dirty="0" smtClean="0"/>
-              <a:t>, a federated ISO 11179 metadata repository developed with the express purpose of enabling institutions to </a:t>
-            </a:r>
-            <a:r>
-              <a:rPr lang="en-US" sz="3200" dirty="0" smtClean="0"/>
-              <a:t>develop</a:t>
-            </a:r>
-            <a:endParaRPr lang="en-US" sz="3200" dirty="0"/>
+              <a:rPr lang="en-US" sz="3400" dirty="0" smtClean="0"/>
+              <a:t>, a federated ISO 11179 metadata repository developed with the express purpose of enabling institutions to develop</a:t>
+            </a:r>
+            <a:endParaRPr lang="en-US" sz="3400" dirty="0"/>
           </a:p>
         </p:txBody>
       </p:sp>
@@ -4160,8 +4156,8 @@
         </p:nvSpPr>
         <p:spPr>
           <a:xfrm>
-            <a:off x="16002000" y="23545800"/>
-            <a:ext cx="12344400" cy="3539430"/>
+            <a:off x="15468600" y="23545800"/>
+            <a:ext cx="13411200" cy="3539430"/>
           </a:xfrm>
           <a:prstGeom prst="rect">
             <a:avLst/>
@@ -4176,18 +4172,18 @@
           <a:p>
             <a:pPr algn="just"/>
             <a:r>
-              <a:rPr lang="en-US" sz="3200" dirty="0" smtClean="0"/>
+              <a:rPr lang="en-US" sz="3400" dirty="0" smtClean="0"/>
               <a:t>and maintain their own unique semantic library while interoperating with repositories and systems.  This enables researchers to create, curate, and iteratively build their own data models specific to their problem domain without a large administrative burden.  Simple, powerful tools for querying the </a:t>
             </a:r>
             <a:r>
-              <a:rPr lang="en-US" sz="3200" dirty="0" err="1" smtClean="0"/>
+              <a:rPr lang="en-US" sz="3400" dirty="0" err="1" smtClean="0"/>
               <a:t>openMDR</a:t>
             </a:r>
             <a:r>
-              <a:rPr lang="en-US" sz="3200" dirty="0" smtClean="0"/>
+              <a:rPr lang="en-US" sz="3400" dirty="0" smtClean="0"/>
               <a:t> and annotating models directly in the tools which create them make the TRIAD data service creation workflow streamlined and agile.</a:t>
             </a:r>
-            <a:endParaRPr lang="en-US" sz="3200" dirty="0"/>
+            <a:endParaRPr lang="en-US" sz="3400" dirty="0"/>
           </a:p>
         </p:txBody>
       </p:sp>

--- a/cagrid/Documentation/general/presentations/2010_AnnualMeeting/posters/TRIAD poster.pptx
+++ b/cagrid/Documentation/general/presentations/2010_AnnualMeeting/posters/TRIAD poster.pptx
@@ -3803,7 +3803,7 @@
         </p:nvGrpSpPr>
         <p:grpSpPr bwMode="auto">
           <a:xfrm>
-            <a:off x="33299400" y="13868400"/>
+            <a:off x="33147000" y="19888200"/>
             <a:ext cx="8359775" cy="914400"/>
             <a:chOff x="2090738" y="6553200"/>
             <a:chExt cx="8359775" cy="914400"/>
@@ -3891,7 +3891,7 @@
                 </a:spcBef>
               </a:pPr>
               <a:r>
-                <a:rPr lang="en-US" sz="4000" b="1">
+                <a:rPr lang="en-US" sz="4000" b="1" dirty="0">
                   <a:solidFill>
                     <a:schemeClr val="bg1"/>
                   </a:solidFill>
@@ -4059,8 +4059,8 @@
         </p:nvSpPr>
         <p:spPr>
           <a:xfrm>
-            <a:off x="685800" y="31623000"/>
-            <a:ext cx="22333743" cy="584775"/>
+            <a:off x="685800" y="31775400"/>
+            <a:ext cx="23747335" cy="615553"/>
           </a:xfrm>
           <a:prstGeom prst="rect">
             <a:avLst/>
@@ -4074,14 +4074,14 @@
           <a:lstStyle/>
           <a:p>
             <a:r>
-              <a:rPr lang="en-US" sz="3200" dirty="0" smtClean="0">
+              <a:rPr lang="en-US" sz="3400" dirty="0" smtClean="0">
                 <a:solidFill>
                   <a:schemeClr val="bg1"/>
                 </a:solidFill>
               </a:rPr>
               <a:t>The project described was supported by Award Number UL1RR025755 from the National Center For Research Resources</a:t>
             </a:r>
-            <a:endParaRPr lang="en-US" sz="3200" dirty="0">
+            <a:endParaRPr lang="en-US" sz="3400" dirty="0">
               <a:solidFill>
                 <a:schemeClr val="bg1"/>
               </a:solidFill>
@@ -4098,8 +4098,8 @@
           <p:nvPr/>
         </p:nvGraphicFramePr>
         <p:xfrm>
-          <a:off x="15392400" y="15468600"/>
-          <a:ext cx="9102373" cy="8205835"/>
+          <a:off x="15392401" y="15468600"/>
+          <a:ext cx="8991600" cy="8105973"/>
         </p:xfrm>
         <a:graphic>
           <a:graphicData uri="http://schemas.openxmlformats.org/presentationml/2006/ole">
@@ -4117,8 +4117,8 @@
         </p:nvSpPr>
         <p:spPr>
           <a:xfrm>
-            <a:off x="25146000" y="15697200"/>
-            <a:ext cx="3505200" cy="8001000"/>
+            <a:off x="24612600" y="15697200"/>
+            <a:ext cx="4038600" cy="8001000"/>
           </a:xfrm>
           <a:prstGeom prst="rect">
             <a:avLst/>
@@ -4142,7 +4142,11 @@
             </a:r>
             <a:r>
               <a:rPr lang="en-US" sz="3400" dirty="0" smtClean="0"/>
-              <a:t>, a federated ISO 11179 metadata repository developed with the express purpose of enabling institutions to develop</a:t>
+              <a:t>, a federated ISO 11179 metadata repository developed with the express purpose of enabling institutions to </a:t>
+            </a:r>
+            <a:r>
+              <a:rPr lang="en-US" sz="3400" dirty="0" smtClean="0"/>
+              <a:t>develop and maintain their own unique semantic</a:t>
             </a:r>
             <a:endParaRPr lang="en-US" sz="3400" dirty="0"/>
           </a:p>
@@ -4173,7 +4177,11 @@
             <a:pPr algn="just"/>
             <a:r>
               <a:rPr lang="en-US" sz="3400" dirty="0" smtClean="0"/>
-              <a:t>and maintain their own unique semantic library while interoperating with repositories and systems.  This enables researchers to create, curate, and iteratively build their own data models specific to their problem domain without a large administrative burden.  Simple, powerful tools for querying the </a:t>
+              <a:t>library </a:t>
+            </a:r>
+            <a:r>
+              <a:rPr lang="en-US" sz="3400" dirty="0" smtClean="0"/>
+              <a:t>while interoperating with repositories and systems.  This enables researchers to create, curate, and iteratively build their own data models specific to their problem domain without a large administrative burden.  Simple, powerful tools for querying the </a:t>
             </a:r>
             <a:r>
               <a:rPr lang="en-US" sz="3400" dirty="0" err="1" smtClean="0"/>
@@ -4184,6 +4192,188 @@
               <a:t> and annotating models directly in the tools which create them make the TRIAD data service creation workflow streamlined and agile.</a:t>
             </a:r>
             <a:endParaRPr lang="en-US" sz="3400" dirty="0"/>
+          </a:p>
+        </p:txBody>
+      </p:sp>
+      <p:sp>
+        <p:nvSpPr>
+          <p:cNvPr id="26" name="TextBox 25"/>
+          <p:cNvSpPr txBox="1"/>
+          <p:nvPr/>
+        </p:nvSpPr>
+        <p:spPr>
+          <a:xfrm>
+            <a:off x="29946600" y="7696200"/>
+            <a:ext cx="13411200" cy="12003286"/>
+          </a:xfrm>
+          <a:prstGeom prst="rect">
+            <a:avLst/>
+          </a:prstGeom>
+          <a:noFill/>
+        </p:spPr>
+        <p:txBody>
+          <a:bodyPr wrap="square" rtlCol="0">
+            <a:spAutoFit/>
+          </a:bodyPr>
+          <a:lstStyle/>
+          <a:p>
+            <a:pPr algn="just"/>
+            <a:r>
+              <a:rPr lang="en-US" sz="3400" dirty="0" smtClean="0"/>
+              <a:t>Nationwide Children's </a:t>
+            </a:r>
+            <a:r>
+              <a:rPr lang="en-US" sz="3400" dirty="0" smtClean="0"/>
+              <a:t>Hospital and The Ohio </a:t>
+            </a:r>
+            <a:r>
+              <a:rPr lang="en-US" sz="3400" dirty="0" smtClean="0"/>
+              <a:t>State </a:t>
+            </a:r>
+            <a:r>
+              <a:rPr lang="en-US" sz="3400" dirty="0" smtClean="0"/>
+              <a:t>University Medical Center are </a:t>
+            </a:r>
+            <a:r>
+              <a:rPr lang="en-US" sz="3400" dirty="0" smtClean="0"/>
+              <a:t>participating in </a:t>
+            </a:r>
+            <a:r>
+              <a:rPr lang="en-US" sz="3400" dirty="0" smtClean="0"/>
+              <a:t>the Ohio Perinatal Research Network (OPRN) and </a:t>
+            </a:r>
+            <a:r>
+              <a:rPr lang="en-US" sz="3400" dirty="0" smtClean="0"/>
+              <a:t>using </a:t>
+            </a:r>
+            <a:r>
+              <a:rPr lang="en-US" sz="3400" dirty="0" smtClean="0"/>
+              <a:t>TRIAD </a:t>
+            </a:r>
+            <a:r>
+              <a:rPr lang="en-US" sz="3400" dirty="0" smtClean="0"/>
+              <a:t>to break down institutional barriers to improve quality of care for at-risk infants</a:t>
+            </a:r>
+            <a:r>
+              <a:rPr lang="en-US" sz="3400" dirty="0" smtClean="0"/>
+              <a:t>. </a:t>
+            </a:r>
+            <a:r>
+              <a:rPr lang="en-US" sz="3600" dirty="0" smtClean="0"/>
+              <a:t>A </a:t>
+            </a:r>
+            <a:r>
+              <a:rPr lang="en-US" sz="3600" dirty="0" smtClean="0"/>
+              <a:t>virtually integrated perinatal research repository comprised of clinical data and specimens from mothers and their infants will support the OPRN, and provide information to collaborating OPRN researchers and institutions</a:t>
+            </a:r>
+            <a:endParaRPr lang="en-US" sz="3400" dirty="0" smtClean="0"/>
+          </a:p>
+          <a:p>
+            <a:pPr algn="just"/>
+            <a:endParaRPr lang="en-US" sz="3400" dirty="0" smtClean="0"/>
+          </a:p>
+          <a:p>
+            <a:pPr algn="just"/>
+            <a:r>
+              <a:rPr lang="en-US" sz="3400" dirty="0" smtClean="0"/>
+              <a:t>The Ohio State </a:t>
+            </a:r>
+            <a:r>
+              <a:rPr lang="en-US" sz="3400" dirty="0" smtClean="0"/>
+              <a:t>University is </a:t>
+            </a:r>
+            <a:r>
+              <a:rPr lang="en-US" sz="3400" dirty="0" smtClean="0"/>
+              <a:t>collaborating with the Human Studies Database </a:t>
+            </a:r>
+            <a:r>
+              <a:rPr lang="en-US" sz="3400" dirty="0" smtClean="0"/>
+              <a:t>Project to </a:t>
+            </a:r>
+            <a:r>
+              <a:rPr lang="en-US" sz="3400" dirty="0" smtClean="0"/>
+              <a:t>accelerate adoption and interoperability of the Human Studies model known as the Ontology of Clinical Research (</a:t>
+            </a:r>
+            <a:r>
+              <a:rPr lang="en-US" sz="3400" dirty="0" err="1" smtClean="0"/>
+              <a:t>OCRe</a:t>
+            </a:r>
+            <a:r>
+              <a:rPr lang="en-US" sz="3400" dirty="0" smtClean="0"/>
+              <a:t>).</a:t>
+            </a:r>
+          </a:p>
+          <a:p>
+            <a:pPr algn="just"/>
+            <a:endParaRPr lang="en-US" sz="3400" dirty="0" smtClean="0"/>
+          </a:p>
+          <a:p>
+            <a:pPr algn="just"/>
+            <a:r>
+              <a:rPr lang="en-US" sz="3400" dirty="0" smtClean="0"/>
+              <a:t>TRIAD is </a:t>
+            </a:r>
+            <a:r>
+              <a:rPr lang="en-US" sz="3400" dirty="0" err="1" smtClean="0"/>
+              <a:t>conecting</a:t>
+            </a:r>
+            <a:r>
+              <a:rPr lang="en-US" sz="3400" dirty="0" smtClean="0"/>
+              <a:t> </a:t>
+            </a:r>
+            <a:r>
+              <a:rPr lang="en-US" sz="3600" dirty="0" smtClean="0"/>
+              <a:t>disparate </a:t>
+            </a:r>
+            <a:r>
+              <a:rPr lang="en-US" sz="3600" dirty="0" smtClean="0"/>
+              <a:t>information between the institutional Information Warehouse </a:t>
+            </a:r>
+            <a:r>
+              <a:rPr lang="en-US" sz="3600" dirty="0" smtClean="0"/>
+              <a:t>and </a:t>
+            </a:r>
+            <a:r>
+              <a:rPr lang="en-US" sz="3600" dirty="0" smtClean="0"/>
+              <a:t>the </a:t>
+            </a:r>
+            <a:r>
+              <a:rPr lang="en-US" sz="3600" dirty="0" err="1" smtClean="0"/>
+              <a:t>biospecimen</a:t>
+            </a:r>
+            <a:r>
+              <a:rPr lang="en-US" sz="3600" dirty="0" smtClean="0"/>
+              <a:t> banking repository </a:t>
+            </a:r>
+            <a:r>
+              <a:rPr lang="en-US" sz="3600" dirty="0" smtClean="0"/>
+              <a:t>which </a:t>
+            </a:r>
+            <a:r>
+              <a:rPr lang="en-US" sz="3600" dirty="0" smtClean="0"/>
+              <a:t>leverages the </a:t>
+            </a:r>
+            <a:r>
+              <a:rPr lang="en-US" sz="3600" dirty="0" err="1" smtClean="0"/>
+              <a:t>caTissue</a:t>
+            </a:r>
+            <a:r>
+              <a:rPr lang="en-US" sz="3600" dirty="0" smtClean="0"/>
+              <a:t> tool to provide researchers with a rich way to rapidly discover cohorts of patients and tissue samples. To address this disconnect, TRIAD has undertaken a project to expose the IW and </a:t>
+            </a:r>
+            <a:r>
+              <a:rPr lang="en-US" sz="3600" dirty="0" err="1" smtClean="0"/>
+              <a:t>caTissue</a:t>
+            </a:r>
+            <a:r>
+              <a:rPr lang="en-US" sz="3600" dirty="0" smtClean="0"/>
+              <a:t> data sources as specialized grid data services, and then apply both existing and new grid tooling and application </a:t>
+            </a:r>
+            <a:r>
+              <a:rPr lang="en-US" sz="3600" dirty="0" smtClean="0"/>
+              <a:t>interfaces.</a:t>
+            </a:r>
+            <a:endParaRPr lang="en-US" sz="3400" dirty="0" smtClean="0"/>
           </a:p>
         </p:txBody>
       </p:sp>
@@ -5035,19 +5225,6 @@
 </file>
 
 <file path=customXml/item1.xml><?xml version="1.0" encoding="utf-8"?>
-<?mso-contentType ?>
-<FormTemplates xmlns="http://schemas.microsoft.com/sharepoint/v3/contenttype/forms">
-  <Display>DocumentLibraryForm</Display>
-  <Edit>DocumentLibraryForm</Edit>
-  <New>DocumentLibraryForm</New>
-</FormTemplates>
-</file>
-
-<file path=customXml/item2.xml><?xml version="1.0" encoding="utf-8"?>
-<LongProperties xmlns="http://schemas.microsoft.com/office/2006/metadata/longProperties"/>
-</file>
-
-<file path=customXml/item3.xml><?xml version="1.0" encoding="utf-8"?>
 <ct:contentTypeSchema xmlns:ct="http://schemas.microsoft.com/office/2006/metadata/contentType" xmlns:ma="http://schemas.microsoft.com/office/2006/metadata/properties/metaAttributes" ct:_="" ma:_="" ma:contentTypeName="Document" ma:contentTypeID="0x01010009B9990401DE874BA94FAA5CA5B76D50" ma:contentTypeVersion="4" ma:contentTypeDescription="Create a new document." ma:contentTypeScope="" ma:versionID="ab954ca9e68604bf033c87d3a2d151bc">
   <xsd:schema xmlns:xsd="http://www.w3.org/2001/XMLSchema" xmlns:xs="http://www.w3.org/2001/XMLSchema" xmlns:p="http://schemas.microsoft.com/office/2006/metadata/properties" xmlns:ns2="2789d12c-9c7d-485e-80e7-093e7df1ec59" targetNamespace="http://schemas.microsoft.com/office/2006/metadata/properties" ma:root="true" ma:fieldsID="c40d6780d6381e8815d2fc3bd6ca831e" ns2:_="">
     <xsd:import namespace="2789d12c-9c7d-485e-80e7-093e7df1ec59"/>
@@ -5210,6 +5387,19 @@
 </ct:contentTypeSchema>
 </file>
 
+<file path=customXml/item2.xml><?xml version="1.0" encoding="utf-8"?>
+<LongProperties xmlns="http://schemas.microsoft.com/office/2006/metadata/longProperties"/>
+</file>
+
+<file path=customXml/item3.xml><?xml version="1.0" encoding="utf-8"?>
+<?mso-contentType ?>
+<FormTemplates xmlns="http://schemas.microsoft.com/sharepoint/v3/contenttype/forms">
+  <Display>DocumentLibraryForm</Display>
+  <Edit>DocumentLibraryForm</Edit>
+  <New>DocumentLibraryForm</New>
+</FormTemplates>
+</file>
+
 <file path=customXml/item4.xml><?xml version="1.0" encoding="utf-8"?>
 <p:properties xmlns:p="http://schemas.microsoft.com/office/2006/metadata/properties" xmlns:xsi="http://www.w3.org/2001/XMLSchema-instance">
   <documentManagement>
@@ -5228,22 +5418,6 @@
 </file>
 
 <file path=customXml/itemProps1.xml><?xml version="1.0" encoding="utf-8"?>
-<ds:datastoreItem xmlns:ds="http://schemas.openxmlformats.org/officeDocument/2006/customXml" ds:itemID="{84004FB6-B2EF-46EA-9793-BCA5224ECEC3}">
-  <ds:schemaRefs>
-    <ds:schemaRef ds:uri="http://schemas.microsoft.com/sharepoint/v3/contenttype/forms"/>
-  </ds:schemaRefs>
-</ds:datastoreItem>
-</file>
-
-<file path=customXml/itemProps2.xml><?xml version="1.0" encoding="utf-8"?>
-<ds:datastoreItem xmlns:ds="http://schemas.openxmlformats.org/officeDocument/2006/customXml" ds:itemID="{D46C6020-86BF-4727-93DE-895994970E44}">
-  <ds:schemaRefs>
-    <ds:schemaRef ds:uri="http://schemas.microsoft.com/office/2006/metadata/longProperties"/>
-  </ds:schemaRefs>
-</ds:datastoreItem>
-</file>
-
-<file path=customXml/itemProps3.xml><?xml version="1.0" encoding="utf-8"?>
 <ds:datastoreItem xmlns:ds="http://schemas.openxmlformats.org/officeDocument/2006/customXml" ds:itemID="{75E54912-27AF-4FAE-9BE9-ACB470EE5BD7}">
   <ds:schemaRefs>
     <ds:schemaRef ds:uri="http://schemas.microsoft.com/office/2006/metadata/contentType"/>
@@ -5261,6 +5435,22 @@
 </ds:datastoreItem>
 </file>
 
+<file path=customXml/itemProps2.xml><?xml version="1.0" encoding="utf-8"?>
+<ds:datastoreItem xmlns:ds="http://schemas.openxmlformats.org/officeDocument/2006/customXml" ds:itemID="{D46C6020-86BF-4727-93DE-895994970E44}">
+  <ds:schemaRefs>
+    <ds:schemaRef ds:uri="http://schemas.microsoft.com/office/2006/metadata/longProperties"/>
+  </ds:schemaRefs>
+</ds:datastoreItem>
+</file>
+
+<file path=customXml/itemProps3.xml><?xml version="1.0" encoding="utf-8"?>
+<ds:datastoreItem xmlns:ds="http://schemas.openxmlformats.org/officeDocument/2006/customXml" ds:itemID="{84004FB6-B2EF-46EA-9793-BCA5224ECEC3}">
+  <ds:schemaRefs>
+    <ds:schemaRef ds:uri="http://schemas.microsoft.com/sharepoint/v3/contenttype/forms"/>
+  </ds:schemaRefs>
+</ds:datastoreItem>
+</file>
+
 <file path=customXml/itemProps4.xml><?xml version="1.0" encoding="utf-8"?>
 <ds:datastoreItem xmlns:ds="http://schemas.openxmlformats.org/officeDocument/2006/customXml" ds:itemID="{ECA8ABB0-33B3-4F4C-97EC-17304F9DC8BB}">
   <ds:schemaRefs>

--- a/cagrid/Documentation/general/presentations/2010_AnnualMeeting/posters/TRIAD poster.pptx
+++ b/cagrid/Documentation/general/presentations/2010_AnnualMeeting/posters/TRIAD poster.pptx
@@ -3229,7 +3229,23 @@
             </a:r>
             <a:r>
               <a:rPr lang="en-US" sz="8000" dirty="0"/>
-              <a:t> tools to a clinical research </a:t>
+              <a:t> tools to </a:t>
+            </a:r>
+            <a:r>
+              <a:rPr lang="en-US" sz="8000"/>
+              <a:t>a </a:t>
+            </a:r>
+            <a:endParaRPr lang="en-US" sz="8000" smtClean="0"/>
+          </a:p>
+          <a:p>
+            <a:pPr algn="ctr" defTabSz="4806950"/>
+            <a:r>
+              <a:rPr lang="en-US" sz="8000" smtClean="0"/>
+              <a:t>clinical </a:t>
+            </a:r>
+            <a:r>
+              <a:rPr lang="en-US" sz="8000" dirty="0"/>
+              <a:t>research </a:t>
             </a:r>
             <a:r>
               <a:rPr lang="en-US" sz="8000" dirty="0" smtClean="0"/>
@@ -3283,7 +3299,7 @@
         </p:nvGrpSpPr>
         <p:grpSpPr bwMode="auto">
           <a:xfrm>
-            <a:off x="2090738" y="6553200"/>
+            <a:off x="2090738" y="6096000"/>
             <a:ext cx="8359775" cy="914400"/>
             <a:chOff x="2090738" y="6553200"/>
             <a:chExt cx="8359775" cy="914400"/>
@@ -3392,7 +3408,7 @@
         </p:nvSpPr>
         <p:spPr bwMode="auto">
           <a:xfrm>
-            <a:off x="76200" y="7772400"/>
+            <a:off x="76200" y="7315200"/>
             <a:ext cx="13411200" cy="10556736"/>
           </a:xfrm>
           <a:prstGeom prst="rect">
@@ -3434,7 +3450,15 @@
             </a:r>
             <a:r>
               <a:rPr lang="en-US" sz="3400" dirty="0"/>
-              <a:t>addresses the needs and challenges presented by multi-institutional translational team science by allowing for the creation of a scalable, secure, and knowledge anchored data sharing environment.  TRIAD builds upon and extends the robust caGrid infrastructure that was initially designed for the National Cancer Institute’s </a:t>
+              <a:t>addresses the needs and challenges presented by multi-institutional translational team science by allowing for the creation of a scalable, secure, and knowledge anchored data sharing environment.  TRIAD builds upon and extends the robust </a:t>
+            </a:r>
+            <a:r>
+              <a:rPr lang="en-US" sz="3400" dirty="0" smtClean="0"/>
+              <a:t>caGrid[1] </a:t>
+            </a:r>
+            <a:r>
+              <a:rPr lang="en-US" sz="3400" dirty="0"/>
+              <a:t>infrastructure that was initially designed for the National Cancer Institute’s </a:t>
             </a:r>
             <a:r>
               <a:rPr lang="en-US" sz="3400" dirty="0" err="1"/>
@@ -3476,7 +3500,7 @@
         </p:nvGrpSpPr>
         <p:grpSpPr bwMode="auto">
           <a:xfrm>
-            <a:off x="17907000" y="6477000"/>
+            <a:off x="17907000" y="6019800"/>
             <a:ext cx="8359775" cy="914400"/>
             <a:chOff x="2090738" y="6553200"/>
             <a:chExt cx="8359775" cy="914400"/>
@@ -3585,7 +3609,7 @@
         </p:nvGrpSpPr>
         <p:grpSpPr bwMode="auto">
           <a:xfrm>
-            <a:off x="2286000" y="18745200"/>
+            <a:off x="2286000" y="18288000"/>
             <a:ext cx="8359775" cy="914400"/>
             <a:chOff x="2090738" y="6553200"/>
             <a:chExt cx="8359775" cy="914400"/>
@@ -3694,7 +3718,7 @@
         </p:nvGrpSpPr>
         <p:grpSpPr bwMode="auto">
           <a:xfrm>
-            <a:off x="33223200" y="6477000"/>
+            <a:off x="33223200" y="6019800"/>
             <a:ext cx="8359775" cy="914400"/>
             <a:chOff x="2090738" y="6553200"/>
             <a:chExt cx="8359775" cy="914400"/>
@@ -3803,7 +3827,7 @@
         </p:nvGrpSpPr>
         <p:grpSpPr bwMode="auto">
           <a:xfrm>
-            <a:off x="33147000" y="19888200"/>
+            <a:off x="33223200" y="21553706"/>
             <a:ext cx="8359775" cy="914400"/>
             <a:chOff x="2090738" y="6553200"/>
             <a:chExt cx="8359775" cy="914400"/>
@@ -3891,13 +3915,18 @@
                 </a:spcBef>
               </a:pPr>
               <a:r>
-                <a:rPr lang="en-US" sz="4000" b="1" dirty="0">
+                <a:rPr lang="en-US" sz="4000" b="1" dirty="0" smtClean="0">
                   <a:solidFill>
                     <a:schemeClr val="bg1"/>
                   </a:solidFill>
                 </a:rPr>
-                <a:t>Discussion</a:t>
+                <a:t>References</a:t>
               </a:r>
+              <a:endParaRPr lang="en-US" sz="4000" b="1" dirty="0">
+                <a:solidFill>
+                  <a:schemeClr val="bg1"/>
+                </a:solidFill>
+              </a:endParaRPr>
             </a:p>
           </p:txBody>
         </p:sp>
@@ -3910,7 +3939,7 @@
         </p:nvSpPr>
         <p:spPr>
           <a:xfrm>
-            <a:off x="15316200" y="7696200"/>
+            <a:off x="15316200" y="7239000"/>
             <a:ext cx="13411200" cy="7940635"/>
           </a:xfrm>
           <a:prstGeom prst="rect">
@@ -3959,7 +3988,7 @@
         </p:nvSpPr>
         <p:spPr>
           <a:xfrm>
-            <a:off x="76200" y="19964400"/>
+            <a:off x="76200" y="19507200"/>
             <a:ext cx="13411200" cy="11603176"/>
           </a:xfrm>
           <a:prstGeom prst="rect">
@@ -4098,7 +4127,7 @@
           <p:nvPr/>
         </p:nvGraphicFramePr>
         <p:xfrm>
-          <a:off x="15392401" y="15468600"/>
+          <a:off x="15392401" y="15011400"/>
           <a:ext cx="8991600" cy="8105973"/>
         </p:xfrm>
         <a:graphic>
@@ -4117,8 +4146,8 @@
         </p:nvSpPr>
         <p:spPr>
           <a:xfrm>
-            <a:off x="24612600" y="15697200"/>
-            <a:ext cx="4038600" cy="8001000"/>
+            <a:off x="24612600" y="14859000"/>
+            <a:ext cx="4114800" cy="8305800"/>
           </a:xfrm>
           <a:prstGeom prst="rect">
             <a:avLst/>
@@ -4142,11 +4171,35 @@
             </a:r>
             <a:r>
               <a:rPr lang="en-US" sz="3400" dirty="0" smtClean="0"/>
-              <a:t>, a federated ISO 11179 metadata repository developed with the express purpose of enabling institutions to </a:t>
+              <a:t>,</a:t>
             </a:r>
             <a:r>
               <a:rPr lang="en-US" sz="3400" dirty="0" smtClean="0"/>
-              <a:t>develop and maintain their own unique semantic</a:t>
+              <a:t> </a:t>
+            </a:r>
+            <a:r>
+              <a:rPr lang="en-US" sz="3400" dirty="0" smtClean="0"/>
+              <a:t>a </a:t>
+            </a:r>
+            <a:r>
+              <a:rPr lang="en-US" sz="3400" dirty="0" smtClean="0"/>
+              <a:t>federated ISO 11179 metadata </a:t>
+            </a:r>
+            <a:r>
+              <a:rPr lang="en-US" sz="3400" dirty="0" smtClean="0"/>
+              <a:t>repository[2] developed </a:t>
+            </a:r>
+            <a:r>
+              <a:rPr lang="en-US" sz="3400" dirty="0" smtClean="0"/>
+              <a:t>with the express purpose of enabling institutions to </a:t>
+            </a:r>
+            <a:r>
+              <a:rPr lang="en-US" sz="3400" dirty="0" smtClean="0"/>
+              <a:t>develop and maintain their own unique </a:t>
+            </a:r>
+            <a:r>
+              <a:rPr lang="en-US" sz="3400" dirty="0" smtClean="0"/>
+              <a:t>semantic library       while</a:t>
             </a:r>
             <a:endParaRPr lang="en-US" sz="3400" dirty="0"/>
           </a:p>
@@ -4160,8 +4213,8 @@
         </p:nvSpPr>
         <p:spPr>
           <a:xfrm>
-            <a:off x="15468600" y="23545800"/>
-            <a:ext cx="13411200" cy="3539430"/>
+            <a:off x="15316200" y="23088600"/>
+            <a:ext cx="13487400" cy="8077200"/>
           </a:xfrm>
           <a:prstGeom prst="rect">
             <a:avLst/>
@@ -4177,11 +4230,11 @@
             <a:pPr algn="just"/>
             <a:r>
               <a:rPr lang="en-US" sz="3400" dirty="0" smtClean="0"/>
-              <a:t>library </a:t>
+              <a:t>interoperating </a:t>
             </a:r>
             <a:r>
               <a:rPr lang="en-US" sz="3400" dirty="0" smtClean="0"/>
-              <a:t>while interoperating with repositories and systems.  This enables researchers to create, curate, and iteratively build their own data models specific to their problem domain without a large administrative burden.  Simple, powerful tools for querying the </a:t>
+              <a:t>with repositories and systems.  This enables researchers to create, curate, and iteratively build their own data models specific to their problem domain without a large administrative burden.  Simple, powerful tools for querying the </a:t>
             </a:r>
             <a:r>
               <a:rPr lang="en-US" sz="3400" dirty="0" err="1" smtClean="0"/>
@@ -4189,7 +4242,42 @@
             </a:r>
             <a:r>
               <a:rPr lang="en-US" sz="3400" dirty="0" smtClean="0"/>
-              <a:t> and annotating models directly in the tools which create them make the TRIAD data service creation workflow streamlined and agile.</a:t>
+              <a:t> and annotating models directly in the tools which create them make the TRIAD data service creation workflow streamlined and agile</a:t>
+            </a:r>
+            <a:r>
+              <a:rPr lang="en-US" sz="3400" dirty="0" smtClean="0"/>
+              <a:t>.</a:t>
+            </a:r>
+          </a:p>
+          <a:p>
+            <a:pPr algn="just"/>
+            <a:endParaRPr lang="en-US" sz="3400" dirty="0" smtClean="0"/>
+          </a:p>
+          <a:p>
+            <a:pPr algn="just"/>
+            <a:r>
+              <a:rPr lang="en-US" sz="3400" dirty="0" smtClean="0"/>
+              <a:t>TRIAD additionally provides wrappers to bring varied</a:t>
+            </a:r>
+            <a:r>
+              <a:rPr lang="en-US" sz="3400" dirty="0" smtClean="0"/>
+              <a:t> data sources to the grid using the standardized query interface which enables interoperability with existing grid tooling and federated data retrieval through a common query language.  Such wrappers have been developed for </a:t>
+            </a:r>
+            <a:r>
+              <a:rPr lang="en-US" sz="3400" dirty="0" err="1" smtClean="0"/>
+              <a:t>REDCap</a:t>
+            </a:r>
+            <a:r>
+              <a:rPr lang="en-US" sz="3400" dirty="0" smtClean="0"/>
+              <a:t> and i2b2, enabling researchers to bring forms-based data capture and </a:t>
+            </a:r>
+            <a:r>
+              <a:rPr lang="en-US" sz="3400" dirty="0" err="1" smtClean="0"/>
+              <a:t>performant</a:t>
+            </a:r>
+            <a:r>
+              <a:rPr lang="en-US" sz="3400" dirty="0" smtClean="0"/>
+              <a:t> clinical data stores to the grid.</a:t>
             </a:r>
             <a:endParaRPr lang="en-US" sz="3400" dirty="0"/>
           </a:p>
@@ -4203,8 +4291,8 @@
         </p:nvSpPr>
         <p:spPr>
           <a:xfrm>
-            <a:off x="29946600" y="7696200"/>
-            <a:ext cx="13411200" cy="12003286"/>
+            <a:off x="30406413" y="7239000"/>
+            <a:ext cx="12874752" cy="14250055"/>
           </a:xfrm>
           <a:prstGeom prst="rect">
             <a:avLst/>
@@ -4288,7 +4376,7 @@
             </a:r>
             <a:r>
               <a:rPr lang="en-US" sz="3400" dirty="0" smtClean="0"/>
-              <a:t>Project to </a:t>
+              <a:t>Project (HSDB) to </a:t>
             </a:r>
             <a:r>
               <a:rPr lang="en-US" sz="3400" dirty="0" smtClean="0"/>
@@ -4300,8 +4388,17 @@
             </a:r>
             <a:r>
               <a:rPr lang="en-US" sz="3400" dirty="0" smtClean="0"/>
-              <a:t>).</a:t>
-            </a:r>
+              <a:t>).  HSDB </a:t>
+            </a:r>
+            <a:r>
+              <a:rPr lang="en-US" sz="3600" dirty="0" smtClean="0"/>
+              <a:t>aims </a:t>
+            </a:r>
+            <a:r>
+              <a:rPr lang="en-US" sz="3600" dirty="0" smtClean="0"/>
+              <a:t>to standardize the storage model for the designs and discoveries of human studies, with the ultimate goal of accelerating analysis across studies, data mining, and reuse</a:t>
+            </a:r>
+            <a:endParaRPr lang="en-US" sz="3400" dirty="0" smtClean="0"/>
           </a:p>
           <a:p>
             <a:pPr algn="just"/>
@@ -4311,15 +4408,7 @@
             <a:pPr algn="just"/>
             <a:r>
               <a:rPr lang="en-US" sz="3400" dirty="0" smtClean="0"/>
-              <a:t>TRIAD is </a:t>
-            </a:r>
-            <a:r>
-              <a:rPr lang="en-US" sz="3400" dirty="0" err="1" smtClean="0"/>
-              <a:t>conecting</a:t>
-            </a:r>
-            <a:r>
-              <a:rPr lang="en-US" sz="3400" dirty="0" smtClean="0"/>
-              <a:t> </a:t>
+              <a:t>TRIAD is connecting </a:t>
             </a:r>
             <a:r>
               <a:rPr lang="en-US" sz="3600" dirty="0" smtClean="0"/>
@@ -4374,6 +4463,110 @@
               <a:t>interfaces.</a:t>
             </a:r>
             <a:endParaRPr lang="en-US" sz="3400" dirty="0" smtClean="0"/>
+          </a:p>
+        </p:txBody>
+      </p:sp>
+      <p:sp>
+        <p:nvSpPr>
+          <p:cNvPr id="30" name="TextBox 29"/>
+          <p:cNvSpPr txBox="1"/>
+          <p:nvPr/>
+        </p:nvSpPr>
+        <p:spPr>
+          <a:xfrm>
+            <a:off x="30327600" y="23001506"/>
+            <a:ext cx="12954000" cy="4278094"/>
+          </a:xfrm>
+          <a:prstGeom prst="rect">
+            <a:avLst/>
+          </a:prstGeom>
+          <a:noFill/>
+        </p:spPr>
+        <p:txBody>
+          <a:bodyPr wrap="square" rtlCol="0">
+            <a:spAutoFit/>
+          </a:bodyPr>
+          <a:lstStyle/>
+          <a:p>
+            <a:pPr algn="just"/>
+            <a:r>
+              <a:rPr lang="en-US" sz="3400" dirty="0" smtClean="0">
+                <a:latin typeface="+mn-lt"/>
+              </a:rPr>
+              <a:t>1:	Oster</a:t>
+            </a:r>
+            <a:r>
+              <a:rPr lang="en-US" sz="3400" dirty="0" smtClean="0">
+                <a:latin typeface="+mn-lt"/>
+              </a:rPr>
+              <a:t>, S. et al., (2007), "caGrid 1.0: An Enterprise Grid Infrastructure for Biomedical Research", Journal of the American Medical Informatics Association, Vol. 15(2): pp.138-149</a:t>
+            </a:r>
+            <a:r>
+              <a:rPr lang="en-US" sz="3400" dirty="0" smtClean="0">
+                <a:latin typeface="+mn-lt"/>
+              </a:rPr>
+              <a:t>.</a:t>
+            </a:r>
+          </a:p>
+          <a:p>
+            <a:pPr algn="just"/>
+            <a:r>
+              <a:rPr lang="en-US" sz="3400" dirty="0" smtClean="0">
+                <a:latin typeface="+mn-lt"/>
+              </a:rPr>
+              <a:t>2:	Dhaval, R. et al., </a:t>
+            </a:r>
+            <a:r>
+              <a:rPr lang="en-US" sz="3400" dirty="0" smtClean="0">
+                <a:latin typeface="+mn-lt"/>
+              </a:rPr>
+              <a:t>“Development of an Extensible Knowledge </a:t>
+            </a:r>
+            <a:r>
+              <a:rPr lang="en-US" sz="3400" dirty="0" smtClean="0">
+                <a:latin typeface="+mn-lt"/>
+              </a:rPr>
+              <a:t>Management Infrastructure </a:t>
+            </a:r>
+            <a:r>
+              <a:rPr lang="en-US" sz="3400" dirty="0" smtClean="0">
+                <a:latin typeface="+mn-lt"/>
+              </a:rPr>
+              <a:t>for the Translational Research </a:t>
+            </a:r>
+            <a:r>
+              <a:rPr lang="en-US" sz="3400" dirty="0" smtClean="0">
+                <a:latin typeface="+mn-lt"/>
+              </a:rPr>
+              <a:t>Informatics and </a:t>
+            </a:r>
+            <a:r>
+              <a:rPr lang="en-US" sz="3400" dirty="0" smtClean="0">
+                <a:latin typeface="+mn-lt"/>
+              </a:rPr>
+              <a:t>Data Management Grid (TRIAD</a:t>
+            </a:r>
+            <a:r>
+              <a:rPr lang="en-US" sz="3400" dirty="0" smtClean="0">
+                <a:latin typeface="+mn-lt"/>
+              </a:rPr>
+              <a:t>)”, Poster session presented at American Medical </a:t>
+            </a:r>
+            <a:r>
+              <a:rPr lang="en-US" sz="3400" dirty="0" smtClean="0">
+                <a:latin typeface="+mn-lt"/>
+              </a:rPr>
+              <a:t>Informatics Association</a:t>
+            </a:r>
+            <a:r>
+              <a:rPr lang="en-US" sz="3400" dirty="0" smtClean="0">
+                <a:latin typeface="+mn-lt"/>
+              </a:rPr>
+              <a:t>, annual symposium; 2009 Nov 14-18; San Francisco, CA</a:t>
+            </a:r>
+            <a:endParaRPr lang="en-US" sz="3400" dirty="0">
+              <a:latin typeface="+mn-lt"/>
+            </a:endParaRPr>
           </a:p>
         </p:txBody>
       </p:sp>

--- a/cagrid/Documentation/general/presentations/2010_AnnualMeeting/posters/TRIAD poster.pptx
+++ b/cagrid/Documentation/general/presentations/2010_AnnualMeeting/posters/TRIAD poster.pptx
@@ -3229,18 +3229,14 @@
             </a:r>
             <a:r>
               <a:rPr lang="en-US" sz="8000" dirty="0"/>
-              <a:t> tools to </a:t>
-            </a:r>
-            <a:r>
-              <a:rPr lang="en-US" sz="8000"/>
-              <a:t>a </a:t>
-            </a:r>
-            <a:endParaRPr lang="en-US" sz="8000" smtClean="0"/>
+              <a:t> tools to a </a:t>
+            </a:r>
+            <a:endParaRPr lang="en-US" sz="8000" dirty="0" smtClean="0"/>
           </a:p>
           <a:p>
             <a:pPr algn="ctr" defTabSz="4806950"/>
             <a:r>
-              <a:rPr lang="en-US" sz="8000" smtClean="0"/>
+              <a:rPr lang="en-US" sz="8000" dirty="0" smtClean="0"/>
               <a:t>clinical </a:t>
             </a:r>
             <a:r>
@@ -4566,6 +4562,79 @@
             </a:r>
             <a:endParaRPr lang="en-US" sz="3400" dirty="0">
               <a:latin typeface="+mn-lt"/>
+            </a:endParaRPr>
+          </a:p>
+        </p:txBody>
+      </p:sp>
+      <p:pic>
+        <p:nvPicPr>
+          <p:cNvPr id="32" name="Picture 31" descr="green-triad.gif"/>
+          <p:cNvPicPr>
+            <a:picLocks noChangeAspect="1"/>
+          </p:cNvPicPr>
+          <p:nvPr/>
+        </p:nvPicPr>
+        <p:blipFill>
+          <a:blip r:embed="rId4"/>
+          <a:stretch>
+            <a:fillRect/>
+          </a:stretch>
+        </p:blipFill>
+        <p:spPr>
+          <a:xfrm>
+            <a:off x="40005000" y="28727400"/>
+            <a:ext cx="3167063" cy="1620276"/>
+          </a:xfrm>
+          <a:prstGeom prst="rect">
+            <a:avLst/>
+          </a:prstGeom>
+        </p:spPr>
+      </p:pic>
+      <p:sp>
+        <p:nvSpPr>
+          <p:cNvPr id="36" name="Rectangle 35"/>
+          <p:cNvSpPr/>
+          <p:nvPr/>
+        </p:nvSpPr>
+        <p:spPr>
+          <a:xfrm>
+            <a:off x="31089600" y="28956000"/>
+            <a:ext cx="8686800" cy="1138773"/>
+          </a:xfrm>
+          <a:prstGeom prst="rect">
+            <a:avLst/>
+          </a:prstGeom>
+        </p:spPr>
+        <p:txBody>
+          <a:bodyPr wrap="square">
+            <a:spAutoFit/>
+          </a:bodyPr>
+          <a:lstStyle/>
+          <a:p>
+            <a:pPr lvl="0" algn="r"/>
+            <a:r>
+              <a:rPr lang="en-US" sz="3400" dirty="0" smtClean="0">
+                <a:solidFill>
+                  <a:srgbClr val="000000"/>
+                </a:solidFill>
+              </a:rPr>
+              <a:t>Please see http://triadcommunity.org</a:t>
+            </a:r>
+          </a:p>
+          <a:p>
+            <a:pPr lvl="0" algn="r"/>
+            <a:r>
+              <a:rPr lang="en-US" sz="3400" dirty="0" smtClean="0">
+                <a:solidFill>
+                  <a:srgbClr val="000000"/>
+                </a:solidFill>
+              </a:rPr>
+              <a:t>for more information</a:t>
+            </a:r>
+            <a:endParaRPr lang="en-US" sz="3400" dirty="0">
+              <a:solidFill>
+                <a:srgbClr val="000000"/>
+              </a:solidFill>
             </a:endParaRPr>
           </a:p>
         </p:txBody>

--- a/cagrid/Documentation/general/presentations/2010_AnnualMeeting/posters/TRIAD poster.pptx
+++ b/cagrid/Documentation/general/presentations/2010_AnnualMeeting/posters/TRIAD poster.pptx
@@ -8,7 +8,7 @@
     <p:sldId id="256" r:id="rId6"/>
   </p:sldIdLst>
   <p:sldSz cx="43891200" cy="32918400"/>
-  <p:notesSz cx="6858000" cy="9144000"/>
+  <p:notesSz cx="7010400" cy="9296400"/>
   <p:defaultTextStyle>
     <a:defPPr>
       <a:defRPr lang="en-US"/>
